--- a/HlebTeam.pptx
+++ b/HlebTeam.pptx
@@ -108,6 +108,11 @@
       </a:defRPr>
     </a:lvl9pPr>
   </p:defaultTextStyle>
+  <p:extLst>
+    <p:ext uri="{EFAFB233-063F-42B5-8137-9DF3F51BA10A}">
+      <p15:sldGuideLst xmlns:p15="http://schemas.microsoft.com/office/powerpoint/2012/main"/>
+    </p:ext>
+  </p:extLst>
 </p:presentation>
 </file>
 
@@ -242,7 +247,7 @@
           <a:p>
             <a:fld id="{F3B828B5-3024-471F-A583-809FF9C59AC3}" type="datetimeFigureOut">
               <a:rPr lang="ru-RU" smtClean="0"/>
-              <a:t>06.03.2020</a:t>
+              <a:t>08.03.2020</a:t>
             </a:fld>
             <a:endParaRPr lang="ru-RU"/>
           </a:p>
@@ -412,7 +417,7 @@
           <a:p>
             <a:fld id="{F3B828B5-3024-471F-A583-809FF9C59AC3}" type="datetimeFigureOut">
               <a:rPr lang="ru-RU" smtClean="0"/>
-              <a:t>06.03.2020</a:t>
+              <a:t>08.03.2020</a:t>
             </a:fld>
             <a:endParaRPr lang="ru-RU"/>
           </a:p>
@@ -592,7 +597,7 @@
           <a:p>
             <a:fld id="{F3B828B5-3024-471F-A583-809FF9C59AC3}" type="datetimeFigureOut">
               <a:rPr lang="ru-RU" smtClean="0"/>
-              <a:t>06.03.2020</a:t>
+              <a:t>08.03.2020</a:t>
             </a:fld>
             <a:endParaRPr lang="ru-RU"/>
           </a:p>
@@ -762,7 +767,7 @@
           <a:p>
             <a:fld id="{F3B828B5-3024-471F-A583-809FF9C59AC3}" type="datetimeFigureOut">
               <a:rPr lang="ru-RU" smtClean="0"/>
-              <a:t>06.03.2020</a:t>
+              <a:t>08.03.2020</a:t>
             </a:fld>
             <a:endParaRPr lang="ru-RU"/>
           </a:p>
@@ -1008,7 +1013,7 @@
           <a:p>
             <a:fld id="{F3B828B5-3024-471F-A583-809FF9C59AC3}" type="datetimeFigureOut">
               <a:rPr lang="ru-RU" smtClean="0"/>
-              <a:t>06.03.2020</a:t>
+              <a:t>08.03.2020</a:t>
             </a:fld>
             <a:endParaRPr lang="ru-RU"/>
           </a:p>
@@ -1240,7 +1245,7 @@
           <a:p>
             <a:fld id="{F3B828B5-3024-471F-A583-809FF9C59AC3}" type="datetimeFigureOut">
               <a:rPr lang="ru-RU" smtClean="0"/>
-              <a:t>06.03.2020</a:t>
+              <a:t>08.03.2020</a:t>
             </a:fld>
             <a:endParaRPr lang="ru-RU"/>
           </a:p>
@@ -1607,7 +1612,7 @@
           <a:p>
             <a:fld id="{F3B828B5-3024-471F-A583-809FF9C59AC3}" type="datetimeFigureOut">
               <a:rPr lang="ru-RU" smtClean="0"/>
-              <a:t>06.03.2020</a:t>
+              <a:t>08.03.2020</a:t>
             </a:fld>
             <a:endParaRPr lang="ru-RU"/>
           </a:p>
@@ -1725,7 +1730,7 @@
           <a:p>
             <a:fld id="{F3B828B5-3024-471F-A583-809FF9C59AC3}" type="datetimeFigureOut">
               <a:rPr lang="ru-RU" smtClean="0"/>
-              <a:t>06.03.2020</a:t>
+              <a:t>08.03.2020</a:t>
             </a:fld>
             <a:endParaRPr lang="ru-RU"/>
           </a:p>
@@ -1820,7 +1825,7 @@
           <a:p>
             <a:fld id="{F3B828B5-3024-471F-A583-809FF9C59AC3}" type="datetimeFigureOut">
               <a:rPr lang="ru-RU" smtClean="0"/>
-              <a:t>06.03.2020</a:t>
+              <a:t>08.03.2020</a:t>
             </a:fld>
             <a:endParaRPr lang="ru-RU"/>
           </a:p>
@@ -2097,7 +2102,7 @@
           <a:p>
             <a:fld id="{F3B828B5-3024-471F-A583-809FF9C59AC3}" type="datetimeFigureOut">
               <a:rPr lang="ru-RU" smtClean="0"/>
-              <a:t>06.03.2020</a:t>
+              <a:t>08.03.2020</a:t>
             </a:fld>
             <a:endParaRPr lang="ru-RU"/>
           </a:p>
@@ -2354,7 +2359,7 @@
           <a:p>
             <a:fld id="{F3B828B5-3024-471F-A583-809FF9C59AC3}" type="datetimeFigureOut">
               <a:rPr lang="ru-RU" smtClean="0"/>
-              <a:t>06.03.2020</a:t>
+              <a:t>08.03.2020</a:t>
             </a:fld>
             <a:endParaRPr lang="ru-RU"/>
           </a:p>
@@ -2567,7 +2572,7 @@
           <a:p>
             <a:fld id="{F3B828B5-3024-471F-A583-809FF9C59AC3}" type="datetimeFigureOut">
               <a:rPr lang="ru-RU" smtClean="0"/>
-              <a:t>06.03.2020</a:t>
+              <a:t>08.03.2020</a:t>
             </a:fld>
             <a:endParaRPr lang="ru-RU"/>
           </a:p>
@@ -3345,29 +3350,461 @@
       </p:sp>
       <p:sp>
         <p:nvSpPr>
-          <p:cNvPr id="3" name="Объект 2">
+          <p:cNvPr id="7" name="TextBox 6">
             <a:extLst>
               <a:ext uri="{FF2B5EF4-FFF2-40B4-BE49-F238E27FC236}">
-                <a16:creationId xmlns:a16="http://schemas.microsoft.com/office/drawing/2014/main" id="{07CF86DC-BDA2-4DB3-A94E-F3789DAF3CFD}"/>
+                <a16:creationId xmlns:a16="http://schemas.microsoft.com/office/drawing/2014/main" id="{2AF8860E-F8F1-4A81-9FE3-D0998A05D900}"/>
               </a:ext>
             </a:extLst>
           </p:cNvPr>
-          <p:cNvSpPr>
-            <a:spLocks noGrp="1"/>
-          </p:cNvSpPr>
-          <p:nvPr>
-            <p:ph idx="1"/>
-          </p:nvPr>
-        </p:nvSpPr>
-        <p:spPr/>
-        <p:txBody>
-          <a:bodyPr/>
-          <a:lstStyle/>
-          <a:p>
-            <a:endParaRPr lang="ru-RU" dirty="0"/>
-          </a:p>
-        </p:txBody>
-      </p:sp>
+          <p:cNvSpPr txBox="1"/>
+          <p:nvPr/>
+        </p:nvSpPr>
+        <p:spPr>
+          <a:xfrm>
+            <a:off x="4587786" y="1690688"/>
+            <a:ext cx="3066762" cy="461665"/>
+          </a:xfrm>
+          <a:prstGeom prst="rect">
+            <a:avLst/>
+          </a:prstGeom>
+          <a:noFill/>
+        </p:spPr>
+        <p:txBody>
+          <a:bodyPr wrap="square" rtlCol="0">
+            <a:spAutoFit/>
+          </a:bodyPr>
+          <a:lstStyle/>
+          <a:p>
+            <a:r>
+              <a:rPr lang="ru-RU" sz="2400" dirty="0">
+                <a:latin typeface="Roboto" panose="02000000000000000000" pitchFamily="2" charset="0"/>
+                <a:ea typeface="Roboto" panose="02000000000000000000" pitchFamily="2" charset="0"/>
+              </a:rPr>
+              <a:t>Главная страница</a:t>
+            </a:r>
+          </a:p>
+        </p:txBody>
+      </p:sp>
+      <p:sp>
+        <p:nvSpPr>
+          <p:cNvPr id="8" name="TextBox 7">
+            <a:extLst>
+              <a:ext uri="{FF2B5EF4-FFF2-40B4-BE49-F238E27FC236}">
+                <a16:creationId xmlns:a16="http://schemas.microsoft.com/office/drawing/2014/main" id="{2D5078C5-8CC8-463D-8AF7-168A197C8D45}"/>
+              </a:ext>
+            </a:extLst>
+          </p:cNvPr>
+          <p:cNvSpPr txBox="1"/>
+          <p:nvPr/>
+        </p:nvSpPr>
+        <p:spPr>
+          <a:xfrm>
+            <a:off x="737274" y="3051441"/>
+            <a:ext cx="7412188" cy="461665"/>
+          </a:xfrm>
+          <a:prstGeom prst="rect">
+            <a:avLst/>
+          </a:prstGeom>
+          <a:noFill/>
+        </p:spPr>
+        <p:txBody>
+          <a:bodyPr wrap="square" rtlCol="0">
+            <a:spAutoFit/>
+          </a:bodyPr>
+          <a:lstStyle/>
+          <a:p>
+            <a:r>
+              <a:rPr lang="ru-RU" sz="2400" dirty="0">
+                <a:latin typeface="Roboto" panose="02000000000000000000" pitchFamily="2" charset="0"/>
+                <a:ea typeface="Roboto" panose="02000000000000000000" pitchFamily="2" charset="0"/>
+              </a:rPr>
+              <a:t>Все пользователи, у которых есть портфолио</a:t>
+            </a:r>
+          </a:p>
+        </p:txBody>
+      </p:sp>
+      <p:sp>
+        <p:nvSpPr>
+          <p:cNvPr id="9" name="TextBox 8">
+            <a:extLst>
+              <a:ext uri="{FF2B5EF4-FFF2-40B4-BE49-F238E27FC236}">
+                <a16:creationId xmlns:a16="http://schemas.microsoft.com/office/drawing/2014/main" id="{9C9A5D6E-B516-4CE5-8A5A-43C77364CA96}"/>
+              </a:ext>
+            </a:extLst>
+          </p:cNvPr>
+          <p:cNvSpPr txBox="1"/>
+          <p:nvPr/>
+        </p:nvSpPr>
+        <p:spPr>
+          <a:xfrm>
+            <a:off x="8277112" y="3048705"/>
+            <a:ext cx="3662215" cy="830997"/>
+          </a:xfrm>
+          <a:prstGeom prst="rect">
+            <a:avLst/>
+          </a:prstGeom>
+          <a:noFill/>
+        </p:spPr>
+        <p:txBody>
+          <a:bodyPr wrap="square" rtlCol="0">
+            <a:spAutoFit/>
+          </a:bodyPr>
+          <a:lstStyle/>
+          <a:p>
+            <a:r>
+              <a:rPr lang="ru-RU" sz="2400" dirty="0">
+                <a:latin typeface="Roboto" panose="02000000000000000000" pitchFamily="2" charset="0"/>
+                <a:ea typeface="Roboto" panose="02000000000000000000" pitchFamily="2" charset="0"/>
+              </a:rPr>
+              <a:t>Разные страницы с полезной информацией</a:t>
+            </a:r>
+          </a:p>
+        </p:txBody>
+      </p:sp>
+      <p:sp>
+        <p:nvSpPr>
+          <p:cNvPr id="11" name="TextBox 10">
+            <a:extLst>
+              <a:ext uri="{FF2B5EF4-FFF2-40B4-BE49-F238E27FC236}">
+                <a16:creationId xmlns:a16="http://schemas.microsoft.com/office/drawing/2014/main" id="{C845814E-3D58-430E-9039-59F52CFE8794}"/>
+              </a:ext>
+            </a:extLst>
+          </p:cNvPr>
+          <p:cNvSpPr txBox="1"/>
+          <p:nvPr/>
+        </p:nvSpPr>
+        <p:spPr>
+          <a:xfrm>
+            <a:off x="2287423" y="4453994"/>
+            <a:ext cx="4311890" cy="461665"/>
+          </a:xfrm>
+          <a:prstGeom prst="rect">
+            <a:avLst/>
+          </a:prstGeom>
+          <a:noFill/>
+        </p:spPr>
+        <p:txBody>
+          <a:bodyPr wrap="square" rtlCol="0">
+            <a:spAutoFit/>
+          </a:bodyPr>
+          <a:lstStyle/>
+          <a:p>
+            <a:r>
+              <a:rPr lang="ru-RU" sz="2400" dirty="0">
+                <a:latin typeface="Roboto" panose="02000000000000000000" pitchFamily="2" charset="0"/>
+                <a:ea typeface="Roboto" panose="02000000000000000000" pitchFamily="2" charset="0"/>
+              </a:rPr>
+              <a:t>Страницы пользователей</a:t>
+            </a:r>
+          </a:p>
+        </p:txBody>
+      </p:sp>
+      <p:cxnSp>
+        <p:nvCxnSpPr>
+          <p:cNvPr id="13" name="Прямая со стрелкой 12">
+            <a:extLst>
+              <a:ext uri="{FF2B5EF4-FFF2-40B4-BE49-F238E27FC236}">
+                <a16:creationId xmlns:a16="http://schemas.microsoft.com/office/drawing/2014/main" id="{23FC86E9-12C8-426A-83AA-542C6FEB78B2}"/>
+              </a:ext>
+            </a:extLst>
+          </p:cNvPr>
+          <p:cNvCxnSpPr>
+            <a:stCxn id="7" idx="2"/>
+            <a:endCxn id="8" idx="0"/>
+          </p:cNvCxnSpPr>
+          <p:nvPr/>
+        </p:nvCxnSpPr>
+        <p:spPr>
+          <a:xfrm flipH="1">
+            <a:off x="4443368" y="2152353"/>
+            <a:ext cx="1677799" cy="899088"/>
+          </a:xfrm>
+          <a:prstGeom prst="straightConnector1">
+            <a:avLst/>
+          </a:prstGeom>
+          <a:ln w="57150">
+            <a:solidFill>
+              <a:schemeClr val="tx1"/>
+            </a:solidFill>
+            <a:tailEnd type="triangle"/>
+          </a:ln>
+        </p:spPr>
+        <p:style>
+          <a:lnRef idx="1">
+            <a:schemeClr val="accent1"/>
+          </a:lnRef>
+          <a:fillRef idx="0">
+            <a:schemeClr val="accent1"/>
+          </a:fillRef>
+          <a:effectRef idx="0">
+            <a:schemeClr val="accent1"/>
+          </a:effectRef>
+          <a:fontRef idx="minor">
+            <a:schemeClr val="tx1"/>
+          </a:fontRef>
+        </p:style>
+      </p:cxnSp>
+      <p:cxnSp>
+        <p:nvCxnSpPr>
+          <p:cNvPr id="14" name="Прямая со стрелкой 13">
+            <a:extLst>
+              <a:ext uri="{FF2B5EF4-FFF2-40B4-BE49-F238E27FC236}">
+                <a16:creationId xmlns:a16="http://schemas.microsoft.com/office/drawing/2014/main" id="{2737885F-0D6F-46DC-B601-A012858936D7}"/>
+              </a:ext>
+            </a:extLst>
+          </p:cNvPr>
+          <p:cNvCxnSpPr>
+            <a:cxnSpLocks/>
+            <a:stCxn id="7" idx="2"/>
+            <a:endCxn id="9" idx="0"/>
+          </p:cNvCxnSpPr>
+          <p:nvPr/>
+        </p:nvCxnSpPr>
+        <p:spPr>
+          <a:xfrm>
+            <a:off x="6121167" y="2152353"/>
+            <a:ext cx="3987053" cy="896352"/>
+          </a:xfrm>
+          <a:prstGeom prst="straightConnector1">
+            <a:avLst/>
+          </a:prstGeom>
+          <a:ln w="57150">
+            <a:solidFill>
+              <a:schemeClr val="tx1"/>
+            </a:solidFill>
+            <a:tailEnd type="triangle"/>
+          </a:ln>
+        </p:spPr>
+        <p:style>
+          <a:lnRef idx="1">
+            <a:schemeClr val="accent1"/>
+          </a:lnRef>
+          <a:fillRef idx="0">
+            <a:schemeClr val="accent1"/>
+          </a:fillRef>
+          <a:effectRef idx="0">
+            <a:schemeClr val="accent1"/>
+          </a:effectRef>
+          <a:fontRef idx="minor">
+            <a:schemeClr val="tx1"/>
+          </a:fontRef>
+        </p:style>
+      </p:cxnSp>
+      <p:cxnSp>
+        <p:nvCxnSpPr>
+          <p:cNvPr id="19" name="Прямая со стрелкой 18">
+            <a:extLst>
+              <a:ext uri="{FF2B5EF4-FFF2-40B4-BE49-F238E27FC236}">
+                <a16:creationId xmlns:a16="http://schemas.microsoft.com/office/drawing/2014/main" id="{9B803D78-6598-4280-9D0E-DAB9D0E51399}"/>
+              </a:ext>
+            </a:extLst>
+          </p:cNvPr>
+          <p:cNvCxnSpPr>
+            <a:cxnSpLocks/>
+            <a:stCxn id="8" idx="2"/>
+            <a:endCxn id="11" idx="0"/>
+          </p:cNvCxnSpPr>
+          <p:nvPr/>
+        </p:nvCxnSpPr>
+        <p:spPr>
+          <a:xfrm>
+            <a:off x="4443368" y="3513106"/>
+            <a:ext cx="0" cy="940888"/>
+          </a:xfrm>
+          <a:prstGeom prst="straightConnector1">
+            <a:avLst/>
+          </a:prstGeom>
+          <a:ln w="57150">
+            <a:solidFill>
+              <a:schemeClr val="tx1"/>
+            </a:solidFill>
+            <a:tailEnd type="triangle"/>
+          </a:ln>
+        </p:spPr>
+        <p:style>
+          <a:lnRef idx="1">
+            <a:schemeClr val="accent1"/>
+          </a:lnRef>
+          <a:fillRef idx="0">
+            <a:schemeClr val="accent1"/>
+          </a:fillRef>
+          <a:effectRef idx="0">
+            <a:schemeClr val="accent1"/>
+          </a:effectRef>
+          <a:fontRef idx="minor">
+            <a:schemeClr val="tx1"/>
+          </a:fontRef>
+        </p:style>
+      </p:cxnSp>
+      <p:sp>
+        <p:nvSpPr>
+          <p:cNvPr id="44" name="TextBox 43">
+            <a:extLst>
+              <a:ext uri="{FF2B5EF4-FFF2-40B4-BE49-F238E27FC236}">
+                <a16:creationId xmlns:a16="http://schemas.microsoft.com/office/drawing/2014/main" id="{A2440863-A91E-430C-8D34-975CF1B431F6}"/>
+              </a:ext>
+            </a:extLst>
+          </p:cNvPr>
+          <p:cNvSpPr txBox="1"/>
+          <p:nvPr/>
+        </p:nvSpPr>
+        <p:spPr>
+          <a:xfrm>
+            <a:off x="7538" y="5461233"/>
+            <a:ext cx="4435830" cy="461665"/>
+          </a:xfrm>
+          <a:prstGeom prst="rect">
+            <a:avLst/>
+          </a:prstGeom>
+          <a:noFill/>
+        </p:spPr>
+        <p:txBody>
+          <a:bodyPr wrap="none" rtlCol="0">
+            <a:spAutoFit/>
+          </a:bodyPr>
+          <a:lstStyle/>
+          <a:p>
+            <a:r>
+              <a:rPr lang="ru-RU" sz="2400" dirty="0">
+                <a:latin typeface="Roboto" panose="02000000000000000000" pitchFamily="2" charset="0"/>
+                <a:ea typeface="Roboto" panose="02000000000000000000" pitchFamily="2" charset="0"/>
+              </a:rPr>
+              <a:t>Информация о пользователе</a:t>
+            </a:r>
+          </a:p>
+        </p:txBody>
+      </p:sp>
+      <p:sp>
+        <p:nvSpPr>
+          <p:cNvPr id="45" name="TextBox 44">
+            <a:extLst>
+              <a:ext uri="{FF2B5EF4-FFF2-40B4-BE49-F238E27FC236}">
+                <a16:creationId xmlns:a16="http://schemas.microsoft.com/office/drawing/2014/main" id="{311FF2F8-9CDA-4545-B852-FF4E7D26987E}"/>
+              </a:ext>
+            </a:extLst>
+          </p:cNvPr>
+          <p:cNvSpPr txBox="1"/>
+          <p:nvPr/>
+        </p:nvSpPr>
+        <p:spPr>
+          <a:xfrm>
+            <a:off x="4632137" y="5461233"/>
+            <a:ext cx="3387466" cy="461665"/>
+          </a:xfrm>
+          <a:prstGeom prst="rect">
+            <a:avLst/>
+          </a:prstGeom>
+          <a:noFill/>
+        </p:spPr>
+        <p:txBody>
+          <a:bodyPr wrap="none" rtlCol="0">
+            <a:spAutoFit/>
+          </a:bodyPr>
+          <a:lstStyle/>
+          <a:p>
+            <a:r>
+              <a:rPr lang="ru-RU" sz="2400" dirty="0">
+                <a:latin typeface="Roboto" panose="02000000000000000000" pitchFamily="2" charset="0"/>
+                <a:ea typeface="Roboto" panose="02000000000000000000" pitchFamily="2" charset="0"/>
+              </a:rPr>
+              <a:t>Работы пользователя</a:t>
+            </a:r>
+          </a:p>
+        </p:txBody>
+      </p:sp>
+      <p:cxnSp>
+        <p:nvCxnSpPr>
+          <p:cNvPr id="48" name="Прямая со стрелкой 47">
+            <a:extLst>
+              <a:ext uri="{FF2B5EF4-FFF2-40B4-BE49-F238E27FC236}">
+                <a16:creationId xmlns:a16="http://schemas.microsoft.com/office/drawing/2014/main" id="{53016FF1-842F-4CD9-ACE6-96F67D487A23}"/>
+              </a:ext>
+            </a:extLst>
+          </p:cNvPr>
+          <p:cNvCxnSpPr>
+            <a:cxnSpLocks/>
+            <a:stCxn id="11" idx="2"/>
+            <a:endCxn id="44" idx="0"/>
+          </p:cNvCxnSpPr>
+          <p:nvPr/>
+        </p:nvCxnSpPr>
+        <p:spPr>
+          <a:xfrm flipH="1">
+            <a:off x="2225453" y="4915659"/>
+            <a:ext cx="2217915" cy="545574"/>
+          </a:xfrm>
+          <a:prstGeom prst="straightConnector1">
+            <a:avLst/>
+          </a:prstGeom>
+          <a:ln w="57150">
+            <a:solidFill>
+              <a:schemeClr val="tx1"/>
+            </a:solidFill>
+            <a:tailEnd type="triangle"/>
+          </a:ln>
+        </p:spPr>
+        <p:style>
+          <a:lnRef idx="1">
+            <a:schemeClr val="accent1"/>
+          </a:lnRef>
+          <a:fillRef idx="0">
+            <a:schemeClr val="accent1"/>
+          </a:fillRef>
+          <a:effectRef idx="0">
+            <a:schemeClr val="accent1"/>
+          </a:effectRef>
+          <a:fontRef idx="minor">
+            <a:schemeClr val="tx1"/>
+          </a:fontRef>
+        </p:style>
+      </p:cxnSp>
+      <p:cxnSp>
+        <p:nvCxnSpPr>
+          <p:cNvPr id="51" name="Прямая со стрелкой 50">
+            <a:extLst>
+              <a:ext uri="{FF2B5EF4-FFF2-40B4-BE49-F238E27FC236}">
+                <a16:creationId xmlns:a16="http://schemas.microsoft.com/office/drawing/2014/main" id="{B755FBE6-8734-4C8C-876D-43FFCC1DFB83}"/>
+              </a:ext>
+            </a:extLst>
+          </p:cNvPr>
+          <p:cNvCxnSpPr>
+            <a:cxnSpLocks/>
+            <a:stCxn id="11" idx="2"/>
+            <a:endCxn id="45" idx="0"/>
+          </p:cNvCxnSpPr>
+          <p:nvPr/>
+        </p:nvCxnSpPr>
+        <p:spPr>
+          <a:xfrm>
+            <a:off x="4443368" y="4915659"/>
+            <a:ext cx="1882502" cy="545574"/>
+          </a:xfrm>
+          <a:prstGeom prst="straightConnector1">
+            <a:avLst/>
+          </a:prstGeom>
+          <a:ln w="57150">
+            <a:solidFill>
+              <a:schemeClr val="tx1"/>
+            </a:solidFill>
+            <a:tailEnd type="triangle"/>
+          </a:ln>
+        </p:spPr>
+        <p:style>
+          <a:lnRef idx="1">
+            <a:schemeClr val="accent1"/>
+          </a:lnRef>
+          <a:fillRef idx="0">
+            <a:schemeClr val="accent1"/>
+          </a:fillRef>
+          <a:effectRef idx="0">
+            <a:schemeClr val="accent1"/>
+          </a:effectRef>
+          <a:fontRef idx="minor">
+            <a:schemeClr val="tx1"/>
+          </a:fontRef>
+        </p:style>
+      </p:cxnSp>
     </p:spTree>
     <p:extLst>
       <p:ext uri="{BB962C8B-B14F-4D97-AF65-F5344CB8AC3E}">
@@ -3459,7 +3896,7 @@
         <p:spPr/>
         <p:txBody>
           <a:bodyPr>
-            <a:normAutofit/>
+            <a:normAutofit lnSpcReduction="10000"/>
           </a:bodyPr>
           <a:lstStyle/>
           <a:p>
@@ -4034,25 +4471,29 @@
               <a:t>; Samsung; Apple; Huawei; RUTUBE; Rambler; Yandex; Mozilla; </a:t>
             </a:r>
             <a:r>
-              <a:rPr lang="ru-RU" dirty="0">
-                <a:latin typeface="Roboto" panose="02000000000000000000" pitchFamily="2" charset="0"/>
-                <a:ea typeface="Roboto" panose="02000000000000000000" pitchFamily="2" charset="0"/>
-              </a:rPr>
-              <a:t>Бар у сани</a:t>
+              <a:rPr lang="ru-RU" dirty="0"/>
+              <a:t>SKOMKHPHKJCDPWB</a:t>
             </a:r>
             <a:r>
               <a:rPr lang="en-US" dirty="0">
                 <a:latin typeface="Roboto" panose="02000000000000000000" pitchFamily="2" charset="0"/>
                 <a:ea typeface="Roboto" panose="02000000000000000000" pitchFamily="2" charset="0"/>
               </a:rPr>
-              <a:t>; Discord; HTML</a:t>
+              <a:t>; Discord; HTML; CSS; JS; C#; C++; C; Java; WordPress; Perl; </a:t>
+            </a:r>
+            <a:r>
+              <a:rPr lang="en-US" dirty="0" err="1">
+                <a:latin typeface="Roboto" panose="02000000000000000000" pitchFamily="2" charset="0"/>
+                <a:ea typeface="Roboto" panose="02000000000000000000" pitchFamily="2" charset="0"/>
+              </a:rPr>
+              <a:t>PascalABC</a:t>
             </a:r>
             <a:r>
               <a:rPr lang="en-US">
                 <a:latin typeface="Roboto" panose="02000000000000000000" pitchFamily="2" charset="0"/>
                 <a:ea typeface="Roboto" panose="02000000000000000000" pitchFamily="2" charset="0"/>
               </a:rPr>
-              <a:t>; CSS; JS. </a:t>
+              <a:t>; Cobol.</a:t>
             </a:r>
             <a:endParaRPr lang="ru-RU" dirty="0">
               <a:latin typeface="Roboto" panose="02000000000000000000" pitchFamily="2" charset="0"/>
